--- a/app/data/visual_data/results.pptx
+++ b/app/data/visual_data/results.pptx
@@ -3190,7 +3190,7 @@
           <a:p>
             <a:pPr/>
             <a:r>
-              <a:t>Yesterday:</a:t>
+              <a:t>Last week:</a:t>
             </a:r>
           </a:p>
           <a:p>
